--- a/react/ctrlz3-0327.pptx
+++ b/react/ctrlz3-0327.pptx
@@ -3957,7 +3957,47 @@
                   <a:srgbClr val="FF0000"/>
                 </a:solidFill>
               </a:rPr>
-              <a:t>여러 인자 한 함수에서 처리하기</a:t>
+              <a:t>여러 인자 한 함수에서 처리하기 </a:t>
+            </a:r>
+            <a:r>
+              <a:rPr lang="en-US" altLang="ko-KR" sz="1400" dirty="0">
+                <a:solidFill>
+                  <a:srgbClr val="FF0000"/>
+                </a:solidFill>
+              </a:rPr>
+              <a:t>: event</a:t>
+            </a:r>
+            <a:r>
+              <a:rPr lang="ko-KR" altLang="en-US" sz="1400" dirty="0">
+                <a:solidFill>
+                  <a:srgbClr val="FF0000"/>
+                </a:solidFill>
+              </a:rPr>
+              <a:t> </a:t>
+            </a:r>
+            <a:r>
+              <a:rPr lang="en-US" altLang="ko-KR" sz="1400" dirty="0">
+                <a:solidFill>
+                  <a:srgbClr val="FF0000"/>
+                </a:solidFill>
+              </a:rPr>
+              <a:t>handling,</a:t>
+            </a:r>
+            <a:r>
+              <a:rPr lang="ko-KR" altLang="en-US" sz="1400" dirty="0">
+                <a:solidFill>
+                  <a:srgbClr val="FF0000"/>
+                </a:solidFill>
+              </a:rPr>
+              <a:t> 계산된 </a:t>
+            </a:r>
+            <a:r>
+              <a:rPr lang="ko-KR" altLang="en-US" sz="1400" dirty="0" err="1">
+                <a:solidFill>
+                  <a:srgbClr val="FF0000"/>
+                </a:solidFill>
+              </a:rPr>
+              <a:t>속성명</a:t>
             </a:r>
             <a:endParaRPr lang="en-US" altLang="ko-KR" sz="1400" dirty="0">
               <a:solidFill>
@@ -4682,6 +4722,10 @@
           </a:lstStyle>
           <a:p>
             <a:r>
+              <a:rPr lang="en-US" altLang="ko-KR" sz="4000" dirty="0"/>
+              <a:t>Event handling, </a:t>
+            </a:r>
+            <a:r>
               <a:rPr lang="ko-KR" altLang="en-US" sz="4000" dirty="0"/>
               <a:t>계산된 </a:t>
             </a:r>
@@ -4800,11 +4844,73 @@
           <a:lstStyle/>
           <a:p>
             <a:r>
+              <a:rPr lang="en-US" altLang="ko-KR" dirty="0"/>
+              <a:t>Input </a:t>
+            </a:r>
+            <a:r>
+              <a:rPr lang="ko-KR" altLang="en-US" dirty="0"/>
+              <a:t>값은</a:t>
+            </a:r>
+            <a:r>
+              <a:rPr lang="en-US" altLang="ko-KR" dirty="0"/>
+              <a:t>? name </a:t>
+            </a:r>
+            <a:r>
+              <a:rPr lang="ko-KR" altLang="en-US" dirty="0"/>
+              <a:t>속성으로 구분</a:t>
+            </a:r>
+            <a:r>
+              <a:rPr lang="en-US" altLang="ko-KR" dirty="0"/>
+              <a:t>!</a:t>
+            </a:r>
+          </a:p>
+          <a:p>
+            <a:endParaRPr lang="en-US" altLang="ko-KR" dirty="0"/>
+          </a:p>
+          <a:p>
+            <a:r>
+              <a:rPr lang="ko-KR" altLang="en-US" dirty="0"/>
+              <a:t>동일한 함수에서 </a:t>
+            </a:r>
+            <a:r>
+              <a:rPr lang="en-US" altLang="ko-KR" dirty="0"/>
+              <a:t>name </a:t>
+            </a:r>
+            <a:r>
+              <a:rPr lang="ko-KR" altLang="en-US" dirty="0"/>
+              <a:t>속성의 </a:t>
+            </a:r>
+            <a:r>
+              <a:rPr lang="en-US" altLang="ko-KR" dirty="0"/>
+              <a:t>“</a:t>
+            </a:r>
+            <a:r>
+              <a:rPr lang="ko-KR" altLang="en-US" dirty="0"/>
+              <a:t>값＂ 별로 처리</a:t>
+            </a:r>
+            <a:endParaRPr lang="en-US" altLang="ko-KR" dirty="0"/>
+          </a:p>
+          <a:p>
+            <a:endParaRPr lang="en-US" altLang="ko-KR" dirty="0">
+              <a:hlinkClick r:id="rId3"/>
+            </a:endParaRPr>
+          </a:p>
+          <a:p>
+            <a:r>
               <a:rPr lang="en-US" altLang="ko-KR" dirty="0">
                 <a:hlinkClick r:id="rId3"/>
               </a:rPr>
               <a:t>https://developer.mozilla.org/ko/docs/Web/JavaScript/Reference/Operators/Object_initializer</a:t>
             </a:r>
+            <a:endParaRPr lang="en-US" altLang="ko-KR" dirty="0"/>
+          </a:p>
+          <a:p>
+            <a:endParaRPr lang="en-US" altLang="ko-KR" dirty="0"/>
+          </a:p>
+          <a:p>
+            <a:endParaRPr lang="en-US" altLang="ko-KR" dirty="0"/>
+          </a:p>
+          <a:p>
             <a:endParaRPr lang="en-US" altLang="ko-KR" dirty="0"/>
           </a:p>
         </p:txBody>
@@ -4839,92 +4945,36 @@
           <a:chExt cx="0" cy="0"/>
         </a:xfrm>
       </p:grpSpPr>
-      <p:sp>
-        <p:nvSpPr>
-          <p:cNvPr id="2" name="제목 1">
-            <a:extLst>
-              <a:ext uri="{FF2B5EF4-FFF2-40B4-BE49-F238E27FC236}">
-                <a16:creationId xmlns:a16="http://schemas.microsoft.com/office/drawing/2014/main" id="{2C299195-CBC9-444F-89E9-C9EF09057AE9}"/>
-              </a:ext>
-            </a:extLst>
-          </p:cNvPr>
-          <p:cNvSpPr>
-            <a:spLocks noGrp="1"/>
-          </p:cNvSpPr>
-          <p:nvPr>
-            <p:ph type="title"/>
-          </p:nvPr>
-        </p:nvSpPr>
-        <p:spPr/>
-        <p:txBody>
-          <a:bodyPr/>
-          <a:lstStyle/>
-          <a:p>
-            <a:r>
-              <a:rPr lang="ko-KR" altLang="en-US" dirty="0"/>
-              <a:t>계산된 </a:t>
-            </a:r>
-            <a:r>
-              <a:rPr lang="ko-KR" altLang="en-US" dirty="0" err="1"/>
-              <a:t>속성명</a:t>
-            </a:r>
-            <a:r>
-              <a:rPr lang="ko-KR" altLang="en-US" dirty="0"/>
-              <a:t> </a:t>
-            </a:r>
-            <a:r>
-              <a:rPr lang="en-US" altLang="ko-KR" dirty="0"/>
-              <a:t>(</a:t>
-            </a:r>
-            <a:r>
-              <a:rPr lang="en-US" altLang="ko-KR" sz="2400" dirty="0">
-                <a:hlinkClick r:id="rId2"/>
-              </a:rPr>
-              <a:t>Computed property names</a:t>
-            </a:r>
-            <a:r>
-              <a:rPr lang="en-US" altLang="ko-KR" sz="2400" dirty="0"/>
-              <a:t> </a:t>
-            </a:r>
-            <a:r>
-              <a:rPr lang="en-US" altLang="ko-KR" dirty="0"/>
-              <a:t>)</a:t>
-            </a:r>
-            <a:endParaRPr lang="ko-KR" altLang="en-US" dirty="0"/>
-          </a:p>
-        </p:txBody>
-      </p:sp>
-      <p:sp>
-        <p:nvSpPr>
-          <p:cNvPr id="3" name="내용 개체 틀 2">
-            <a:extLst>
-              <a:ext uri="{FF2B5EF4-FFF2-40B4-BE49-F238E27FC236}">
-                <a16:creationId xmlns:a16="http://schemas.microsoft.com/office/drawing/2014/main" id="{C062E191-72FC-4904-930C-BD9AA2184FE8}"/>
-              </a:ext>
-            </a:extLst>
-          </p:cNvPr>
-          <p:cNvSpPr>
-            <a:spLocks noGrp="1"/>
-          </p:cNvSpPr>
-          <p:nvPr>
-            <p:ph idx="1"/>
-          </p:nvPr>
-        </p:nvSpPr>
-        <p:spPr/>
-        <p:txBody>
-          <a:bodyPr/>
-          <a:lstStyle/>
-          <a:p>
-            <a:r>
-              <a:rPr lang="en-US" altLang="ko-KR" dirty="0">
-                <a:hlinkClick r:id="rId3"/>
-              </a:rPr>
-              <a:t>https://developer.mozilla.org/ko/docs/Web/JavaScript/Reference/Operators/Object_initializer</a:t>
-            </a:r>
-            <a:endParaRPr lang="en-US" altLang="ko-KR" dirty="0"/>
-          </a:p>
-        </p:txBody>
-      </p:sp>
+      <p:pic>
+        <p:nvPicPr>
+          <p:cNvPr id="8" name="그림 7">
+            <a:extLst>
+              <a:ext uri="{FF2B5EF4-FFF2-40B4-BE49-F238E27FC236}">
+                <a16:creationId xmlns:a16="http://schemas.microsoft.com/office/drawing/2014/main" id="{E2B1DFB5-FAF6-4000-8CD7-9DD3BFDF50DF}"/>
+              </a:ext>
+            </a:extLst>
+          </p:cNvPr>
+          <p:cNvPicPr>
+            <a:picLocks noChangeAspect="1"/>
+          </p:cNvPicPr>
+          <p:nvPr/>
+        </p:nvPicPr>
+        <p:blipFill>
+          <a:blip r:embed="rId2"/>
+          <a:stretch>
+            <a:fillRect/>
+          </a:stretch>
+        </p:blipFill>
+        <p:spPr>
+          <a:xfrm>
+            <a:off x="0" y="0"/>
+            <a:ext cx="12192000" cy="6858000"/>
+          </a:xfrm>
+          <a:prstGeom prst="rect">
+            <a:avLst/>
+          </a:prstGeom>
+        </p:spPr>
+      </p:pic>
     </p:spTree>
     <p:extLst>
       <p:ext uri="{BB962C8B-B14F-4D97-AF65-F5344CB8AC3E}">

--- a/react/ctrlz3-0327.pptx
+++ b/react/ctrlz3-0327.pptx
@@ -16,7 +16,8 @@
     <p:sldId id="300" r:id="rId10"/>
     <p:sldId id="299" r:id="rId11"/>
     <p:sldId id="262" r:id="rId12"/>
-    <p:sldId id="297" r:id="rId13"/>
+    <p:sldId id="302" r:id="rId13"/>
+    <p:sldId id="297" r:id="rId14"/>
   </p:sldIdLst>
   <p:sldSz cx="12192000" cy="6858000"/>
   <p:notesSz cx="6858000" cy="9144000"/>
@@ -270,7 +271,7 @@
           <a:p>
             <a:fld id="{6587FAEA-F880-4778-816E-3E668AC76103}" type="datetimeFigureOut">
               <a:rPr lang="ko-KR" altLang="en-US" smtClean="0"/>
-              <a:t>2020-03-26</a:t>
+              <a:t>2020-03-27</a:t>
             </a:fld>
             <a:endParaRPr lang="ko-KR" altLang="en-US"/>
           </a:p>
@@ -468,7 +469,7 @@
           <a:p>
             <a:fld id="{6587FAEA-F880-4778-816E-3E668AC76103}" type="datetimeFigureOut">
               <a:rPr lang="ko-KR" altLang="en-US" smtClean="0"/>
-              <a:t>2020-03-26</a:t>
+              <a:t>2020-03-27</a:t>
             </a:fld>
             <a:endParaRPr lang="ko-KR" altLang="en-US"/>
           </a:p>
@@ -676,7 +677,7 @@
           <a:p>
             <a:fld id="{6587FAEA-F880-4778-816E-3E668AC76103}" type="datetimeFigureOut">
               <a:rPr lang="ko-KR" altLang="en-US" smtClean="0"/>
-              <a:t>2020-03-26</a:t>
+              <a:t>2020-03-27</a:t>
             </a:fld>
             <a:endParaRPr lang="ko-KR" altLang="en-US"/>
           </a:p>
@@ -874,7 +875,7 @@
           <a:p>
             <a:fld id="{6587FAEA-F880-4778-816E-3E668AC76103}" type="datetimeFigureOut">
               <a:rPr lang="ko-KR" altLang="en-US" smtClean="0"/>
-              <a:t>2020-03-26</a:t>
+              <a:t>2020-03-27</a:t>
             </a:fld>
             <a:endParaRPr lang="ko-KR" altLang="en-US"/>
           </a:p>
@@ -1149,7 +1150,7 @@
           <a:p>
             <a:fld id="{6587FAEA-F880-4778-816E-3E668AC76103}" type="datetimeFigureOut">
               <a:rPr lang="ko-KR" altLang="en-US" smtClean="0"/>
-              <a:t>2020-03-26</a:t>
+              <a:t>2020-03-27</a:t>
             </a:fld>
             <a:endParaRPr lang="ko-KR" altLang="en-US"/>
           </a:p>
@@ -1414,7 +1415,7 @@
           <a:p>
             <a:fld id="{6587FAEA-F880-4778-816E-3E668AC76103}" type="datetimeFigureOut">
               <a:rPr lang="ko-KR" altLang="en-US" smtClean="0"/>
-              <a:t>2020-03-26</a:t>
+              <a:t>2020-03-27</a:t>
             </a:fld>
             <a:endParaRPr lang="ko-KR" altLang="en-US"/>
           </a:p>
@@ -1826,7 +1827,7 @@
           <a:p>
             <a:fld id="{6587FAEA-F880-4778-816E-3E668AC76103}" type="datetimeFigureOut">
               <a:rPr lang="ko-KR" altLang="en-US" smtClean="0"/>
-              <a:t>2020-03-26</a:t>
+              <a:t>2020-03-27</a:t>
             </a:fld>
             <a:endParaRPr lang="ko-KR" altLang="en-US"/>
           </a:p>
@@ -1967,7 +1968,7 @@
           <a:p>
             <a:fld id="{6587FAEA-F880-4778-816E-3E668AC76103}" type="datetimeFigureOut">
               <a:rPr lang="ko-KR" altLang="en-US" smtClean="0"/>
-              <a:t>2020-03-26</a:t>
+              <a:t>2020-03-27</a:t>
             </a:fld>
             <a:endParaRPr lang="ko-KR" altLang="en-US"/>
           </a:p>
@@ -2080,7 +2081,7 @@
           <a:p>
             <a:fld id="{6587FAEA-F880-4778-816E-3E668AC76103}" type="datetimeFigureOut">
               <a:rPr lang="ko-KR" altLang="en-US" smtClean="0"/>
-              <a:t>2020-03-26</a:t>
+              <a:t>2020-03-27</a:t>
             </a:fld>
             <a:endParaRPr lang="ko-KR" altLang="en-US"/>
           </a:p>
@@ -2391,7 +2392,7 @@
           <a:p>
             <a:fld id="{6587FAEA-F880-4778-816E-3E668AC76103}" type="datetimeFigureOut">
               <a:rPr lang="ko-KR" altLang="en-US" smtClean="0"/>
-              <a:t>2020-03-26</a:t>
+              <a:t>2020-03-27</a:t>
             </a:fld>
             <a:endParaRPr lang="ko-KR" altLang="en-US"/>
           </a:p>
@@ -2679,7 +2680,7 @@
           <a:p>
             <a:fld id="{6587FAEA-F880-4778-816E-3E668AC76103}" type="datetimeFigureOut">
               <a:rPr lang="ko-KR" altLang="en-US" smtClean="0"/>
-              <a:t>2020-03-26</a:t>
+              <a:t>2020-03-27</a:t>
             </a:fld>
             <a:endParaRPr lang="ko-KR" altLang="en-US"/>
           </a:p>
@@ -2920,7 +2921,7 @@
           <a:p>
             <a:fld id="{6587FAEA-F880-4778-816E-3E668AC76103}" type="datetimeFigureOut">
               <a:rPr lang="ko-KR" altLang="en-US" smtClean="0"/>
-              <a:t>2020-03-26</a:t>
+              <a:t>2020-03-27</a:t>
             </a:fld>
             <a:endParaRPr lang="ko-KR" altLang="en-US"/>
           </a:p>
@@ -3673,6 +3674,139 @@
 </file>
 
 <file path=ppt/slides/slide12.xml><?xml version="1.0" encoding="utf-8"?>
+<p:sld xmlns:a="http://schemas.openxmlformats.org/drawingml/2006/main" xmlns:r="http://schemas.openxmlformats.org/officeDocument/2006/relationships" xmlns:p="http://schemas.openxmlformats.org/presentationml/2006/main">
+  <p:cSld>
+    <p:spTree>
+      <p:nvGrpSpPr>
+        <p:cNvPr id="1" name=""/>
+        <p:cNvGrpSpPr/>
+        <p:nvPr/>
+      </p:nvGrpSpPr>
+      <p:grpSpPr>
+        <a:xfrm>
+          <a:off x="0" y="0"/>
+          <a:ext cx="0" cy="0"/>
+          <a:chOff x="0" y="0"/>
+          <a:chExt cx="0" cy="0"/>
+        </a:xfrm>
+      </p:grpSpPr>
+      <p:sp>
+        <p:nvSpPr>
+          <p:cNvPr id="2" name="제목 1">
+            <a:extLst>
+              <a:ext uri="{FF2B5EF4-FFF2-40B4-BE49-F238E27FC236}">
+                <a16:creationId xmlns:a16="http://schemas.microsoft.com/office/drawing/2014/main" id="{2C299195-CBC9-444F-89E9-C9EF09057AE9}"/>
+              </a:ext>
+            </a:extLst>
+          </p:cNvPr>
+          <p:cNvSpPr>
+            <a:spLocks noGrp="1"/>
+          </p:cNvSpPr>
+          <p:nvPr>
+            <p:ph type="title"/>
+          </p:nvPr>
+        </p:nvSpPr>
+        <p:spPr/>
+        <p:txBody>
+          <a:bodyPr/>
+          <a:lstStyle/>
+          <a:p>
+            <a:r>
+              <a:rPr lang="ko-KR" altLang="en-US" dirty="0"/>
+              <a:t>자식 </a:t>
+            </a:r>
+            <a:r>
+              <a:rPr lang="en-US" altLang="ko-KR" dirty="0">
+                <a:sym typeface="Wingdings" panose="05000000000000000000" pitchFamily="2" charset="2"/>
+              </a:rPr>
+              <a:t> </a:t>
+            </a:r>
+            <a:r>
+              <a:rPr lang="ko-KR" altLang="en-US" dirty="0">
+                <a:sym typeface="Wingdings" panose="05000000000000000000" pitchFamily="2" charset="2"/>
+              </a:rPr>
+              <a:t>부모 데이터 전달</a:t>
+            </a:r>
+            <a:endParaRPr lang="ko-KR" altLang="en-US" dirty="0">
+              <a:highlight>
+                <a:srgbClr val="FFFF00"/>
+              </a:highlight>
+            </a:endParaRPr>
+          </a:p>
+        </p:txBody>
+      </p:sp>
+      <p:pic>
+        <p:nvPicPr>
+          <p:cNvPr id="6" name="그림 5">
+            <a:extLst>
+              <a:ext uri="{FF2B5EF4-FFF2-40B4-BE49-F238E27FC236}">
+                <a16:creationId xmlns:a16="http://schemas.microsoft.com/office/drawing/2014/main" id="{E61D9EAA-FBDA-4C20-BC9A-3FA24889DBBE}"/>
+              </a:ext>
+            </a:extLst>
+          </p:cNvPr>
+          <p:cNvPicPr>
+            <a:picLocks noChangeAspect="1"/>
+          </p:cNvPicPr>
+          <p:nvPr/>
+        </p:nvPicPr>
+        <p:blipFill rotWithShape="1">
+          <a:blip r:embed="rId2"/>
+          <a:srcRect l="25000" t="41481" r="43872" b="12037"/>
+          <a:stretch/>
+        </p:blipFill>
+        <p:spPr>
+          <a:xfrm>
+            <a:off x="165099" y="1690688"/>
+            <a:ext cx="5930901" cy="4981575"/>
+          </a:xfrm>
+          <a:prstGeom prst="rect">
+            <a:avLst/>
+          </a:prstGeom>
+        </p:spPr>
+      </p:pic>
+      <p:pic>
+        <p:nvPicPr>
+          <p:cNvPr id="7" name="그림 6">
+            <a:extLst>
+              <a:ext uri="{FF2B5EF4-FFF2-40B4-BE49-F238E27FC236}">
+                <a16:creationId xmlns:a16="http://schemas.microsoft.com/office/drawing/2014/main" id="{5C041784-E00E-4F99-9E76-74426AABCDC2}"/>
+              </a:ext>
+            </a:extLst>
+          </p:cNvPr>
+          <p:cNvPicPr>
+            <a:picLocks noChangeAspect="1"/>
+          </p:cNvPicPr>
+          <p:nvPr/>
+        </p:nvPicPr>
+        <p:blipFill rotWithShape="1">
+          <a:blip r:embed="rId3"/>
+          <a:srcRect l="24583" r="38750"/>
+          <a:stretch/>
+        </p:blipFill>
+        <p:spPr>
+          <a:xfrm>
+            <a:off x="7721600" y="0"/>
+            <a:ext cx="4470400" cy="6858000"/>
+          </a:xfrm>
+          <a:prstGeom prst="rect">
+            <a:avLst/>
+          </a:prstGeom>
+        </p:spPr>
+      </p:pic>
+    </p:spTree>
+    <p:extLst>
+      <p:ext uri="{BB962C8B-B14F-4D97-AF65-F5344CB8AC3E}">
+        <p14:creationId xmlns:p14="http://schemas.microsoft.com/office/powerpoint/2010/main" val="506191847"/>
+      </p:ext>
+    </p:extLst>
+  </p:cSld>
+  <p:clrMapOvr>
+    <a:masterClrMapping/>
+  </p:clrMapOvr>
+</p:sld>
+</file>
+
+<file path=ppt/slides/slide13.xml><?xml version="1.0" encoding="utf-8"?>
 <p:sld xmlns:a="http://schemas.openxmlformats.org/drawingml/2006/main" xmlns:r="http://schemas.openxmlformats.org/officeDocument/2006/relationships" xmlns:p="http://schemas.openxmlformats.org/presentationml/2006/main">
   <p:cSld>
     <p:spTree>

--- a/react/ctrlz3-0327.pptx
+++ b/react/ctrlz3-0327.pptx
@@ -3874,7 +3874,7 @@
         </p:nvSpPr>
         <p:spPr>
           <a:xfrm>
-            <a:off x="838200" y="1825625"/>
+            <a:off x="838200" y="1601035"/>
             <a:ext cx="10515600" cy="4351338"/>
           </a:xfrm>
         </p:spPr>
@@ -4355,7 +4355,11 @@
               <a:t>(</a:t>
             </a:r>
             <a:r>
-              <a:rPr lang="ko-KR" altLang="en-US" dirty="0"/>
+              <a:rPr lang="ko-KR" altLang="en-US" dirty="0">
+                <a:solidFill>
+                  <a:srgbClr val="FF0000"/>
+                </a:solidFill>
+              </a:rPr>
               <a:t>자식에서 부모로</a:t>
             </a:r>
             <a:r>
@@ -4566,9 +4570,21 @@
           <a:p>
             <a:r>
               <a:rPr lang="ko-KR" altLang="en-US" dirty="0"/>
-              <a:t>자바스크립트는 온 세상이 객체</a:t>
-            </a:r>
-            <a:endParaRPr lang="en-US" altLang="ko-KR" dirty="0"/>
+              <a:t>자바스크립트는 온 세상이 </a:t>
+            </a:r>
+            <a:r>
+              <a:rPr lang="ko-KR" altLang="en-US" dirty="0">
+                <a:solidFill>
+                  <a:srgbClr val="FF0000"/>
+                </a:solidFill>
+              </a:rPr>
+              <a:t>객체</a:t>
+            </a:r>
+            <a:endParaRPr lang="en-US" altLang="ko-KR" dirty="0">
+              <a:solidFill>
+                <a:srgbClr val="FF0000"/>
+              </a:solidFill>
+            </a:endParaRPr>
           </a:p>
           <a:p>
             <a:r>
@@ -4621,7 +4637,11 @@
               <a:t>그래서 </a:t>
             </a:r>
             <a:r>
-              <a:rPr lang="en-US" altLang="ko-KR" dirty="0"/>
+              <a:rPr lang="en-US" altLang="ko-KR" dirty="0">
+                <a:solidFill>
+                  <a:srgbClr val="FF0000"/>
+                </a:solidFill>
+              </a:rPr>
               <a:t>JS</a:t>
             </a:r>
             <a:r>
